--- a/nlp/AL - NLP.pptx
+++ b/nlp/AL - NLP.pptx
@@ -960,7 +960,66 @@
                 <a:ea typeface="+mn-ea"/>
                 <a:cs typeface="+mn-cs"/>
               </a:rPr>
-              <a:t>Example illustrating sequential active learning as a Markov Decision process. Data arrives sequentially, and at each time the active learning policy, </a:t>
+              <a:t>Example illustrating sequential active learning as a Markov Decision process. </a:t>
+            </a:r>
+          </a:p>
+          <a:p>
+            <a:pPr marL="0" marR="0" lvl="0" indent="0" algn="l" defTabSz="914400" rtl="0" eaLnBrk="1" fontAlgn="auto" latinLnBrk="0" hangingPunct="1">
+              <a:lnSpc>
+                <a:spcPct val="100000"/>
+              </a:lnSpc>
+              <a:spcBef>
+                <a:spcPts val="0"/>
+              </a:spcBef>
+              <a:spcAft>
+                <a:spcPts val="0"/>
+              </a:spcAft>
+              <a:buClrTx/>
+              <a:buSzTx/>
+              <a:buFontTx/>
+              <a:buNone/>
+              <a:tabLst/>
+              <a:defRPr/>
+            </a:pPr>
+            <a:endParaRPr lang="en-US" sz="1200" kern="1200" dirty="0">
+              <a:solidFill>
+                <a:schemeClr val="tx1"/>
+              </a:solidFill>
+              <a:effectLst/>
+              <a:latin typeface="+mn-lt"/>
+              <a:ea typeface="+mn-ea"/>
+              <a:cs typeface="+mn-cs"/>
+            </a:endParaRPr>
+          </a:p>
+          <a:p>
+            <a:pPr marL="0" marR="0" lvl="0" indent="0" algn="l" defTabSz="914400" rtl="0" eaLnBrk="1" fontAlgn="auto" latinLnBrk="0" hangingPunct="1">
+              <a:lnSpc>
+                <a:spcPct val="100000"/>
+              </a:lnSpc>
+              <a:spcBef>
+                <a:spcPts val="0"/>
+              </a:spcBef>
+              <a:spcAft>
+                <a:spcPts val="0"/>
+              </a:spcAft>
+              <a:buClrTx/>
+              <a:buSzTx/>
+              <a:buFontTx/>
+              <a:buNone/>
+              <a:tabLst/>
+              <a:defRPr/>
+            </a:pPr>
+            <a:r>
+              <a:rPr lang="en-US" sz="1200" kern="1200" dirty="0">
+                <a:solidFill>
+                  <a:schemeClr val="tx1"/>
+                </a:solidFill>
+                <a:effectLst/>
+                <a:latin typeface="+mn-lt"/>
+                <a:ea typeface="+mn-ea"/>
+                <a:cs typeface="+mn-cs"/>
+              </a:rPr>
+              <a:t>Data arrives sequentially, and at each time the active learning policy, </a:t>
             </a:r>
             <a:r>
               <a:rPr lang="el-GR" sz="1200" kern="1200" dirty="0">
@@ -1098,258 +1157,24 @@
           <a:lstStyle/>
           <a:p>
             <a:r>
-              <a:rPr lang="en-US" sz="1200" b="0" i="0" u="none" strike="noStrike" kern="1200" dirty="0">
-                <a:solidFill>
-                  <a:schemeClr val="tx1"/>
-                </a:solidFill>
-                <a:effectLst/>
-                <a:latin typeface="+mn-lt"/>
-                <a:ea typeface="+mn-ea"/>
-                <a:cs typeface="+mn-cs"/>
-              </a:rPr>
-              <a:t> </a:t>
-            </a:r>
-            <a:r>
-              <a:rPr lang="en-US" sz="1200" b="1" i="0" u="none" strike="noStrike" kern="1200" dirty="0">
-                <a:solidFill>
-                  <a:schemeClr val="tx1"/>
-                </a:solidFill>
-                <a:effectLst/>
-                <a:latin typeface="+mn-lt"/>
-                <a:ea typeface="+mn-ea"/>
-                <a:cs typeface="+mn-cs"/>
-              </a:rPr>
-              <a:t>F</a:t>
-            </a:r>
-            <a:r>
-              <a:rPr lang="en-US" sz="1200" b="1" i="0" u="none" strike="noStrike" kern="1200" baseline="-25000" dirty="0">
-                <a:solidFill>
-                  <a:schemeClr val="tx1"/>
-                </a:solidFill>
-                <a:effectLst/>
-                <a:latin typeface="+mn-lt"/>
-                <a:ea typeface="+mn-ea"/>
-                <a:cs typeface="+mn-cs"/>
-              </a:rPr>
-              <a:t>1</a:t>
-            </a:r>
-            <a:r>
-              <a:rPr lang="en-US" sz="1200" b="1" i="0" u="none" strike="noStrike" kern="1200" dirty="0">
-                <a:solidFill>
-                  <a:schemeClr val="tx1"/>
-                </a:solidFill>
-                <a:effectLst/>
-                <a:latin typeface="+mn-lt"/>
-                <a:ea typeface="+mn-ea"/>
-                <a:cs typeface="+mn-cs"/>
-              </a:rPr>
-              <a:t> score</a:t>
-            </a:r>
-            <a:r>
-              <a:rPr lang="en-US" sz="1200" b="0" i="0" u="none" strike="noStrike" kern="1200" dirty="0">
-                <a:solidFill>
-                  <a:schemeClr val="tx1"/>
-                </a:solidFill>
-                <a:effectLst/>
-                <a:latin typeface="+mn-lt"/>
-                <a:ea typeface="+mn-ea"/>
-                <a:cs typeface="+mn-cs"/>
-              </a:rPr>
-              <a:t> (also </a:t>
-            </a:r>
-            <a:r>
-              <a:rPr lang="en-US" sz="1200" b="1" i="0" u="none" strike="noStrike" kern="1200" dirty="0">
-                <a:solidFill>
-                  <a:schemeClr val="tx1"/>
-                </a:solidFill>
-                <a:effectLst/>
-                <a:latin typeface="+mn-lt"/>
-                <a:ea typeface="+mn-ea"/>
-                <a:cs typeface="+mn-cs"/>
-              </a:rPr>
-              <a:t>F-score</a:t>
-            </a:r>
-            <a:r>
-              <a:rPr lang="en-US" sz="1200" b="0" i="0" u="none" strike="noStrike" kern="1200" dirty="0">
-                <a:solidFill>
-                  <a:schemeClr val="tx1"/>
-                </a:solidFill>
-                <a:effectLst/>
-                <a:latin typeface="+mn-lt"/>
-                <a:ea typeface="+mn-ea"/>
-                <a:cs typeface="+mn-cs"/>
-              </a:rPr>
-              <a:t> or </a:t>
-            </a:r>
-            <a:r>
-              <a:rPr lang="en-US" sz="1200" b="1" i="0" u="none" strike="noStrike" kern="1200" dirty="0">
-                <a:solidFill>
-                  <a:schemeClr val="tx1"/>
-                </a:solidFill>
-                <a:effectLst/>
-                <a:latin typeface="+mn-lt"/>
-                <a:ea typeface="+mn-ea"/>
-                <a:cs typeface="+mn-cs"/>
-              </a:rPr>
-              <a:t>F-measure</a:t>
-            </a:r>
-            <a:r>
-              <a:rPr lang="en-US" sz="1200" b="0" i="0" u="none" strike="noStrike" kern="1200" dirty="0">
-                <a:solidFill>
-                  <a:schemeClr val="tx1"/>
-                </a:solidFill>
-                <a:effectLst/>
-                <a:latin typeface="+mn-lt"/>
-                <a:ea typeface="+mn-ea"/>
-                <a:cs typeface="+mn-cs"/>
-              </a:rPr>
-              <a:t>) is a measure of a test's accuracy. It considers both the </a:t>
-            </a:r>
-            <a:r>
-              <a:rPr lang="en-US" sz="1200" b="0" i="0" u="none" strike="noStrike" kern="1200" dirty="0">
-                <a:solidFill>
-                  <a:schemeClr val="tx1"/>
-                </a:solidFill>
-                <a:effectLst/>
-                <a:latin typeface="+mn-lt"/>
-                <a:ea typeface="+mn-ea"/>
-                <a:cs typeface="+mn-cs"/>
-                <a:hlinkClick r:id="rId3" tooltip="Precision (information retrieval)"/>
-              </a:rPr>
-              <a:t>precision</a:t>
-            </a:r>
-            <a:r>
-              <a:rPr lang="en-US" sz="1200" b="0" i="0" u="none" strike="noStrike" kern="1200" dirty="0">
-                <a:solidFill>
-                  <a:schemeClr val="tx1"/>
-                </a:solidFill>
-                <a:effectLst/>
-                <a:latin typeface="+mn-lt"/>
-                <a:ea typeface="+mn-ea"/>
-                <a:cs typeface="+mn-cs"/>
-              </a:rPr>
-              <a:t> </a:t>
-            </a:r>
-            <a:r>
-              <a:rPr lang="en-US" sz="1200" b="0" i="1" u="none" strike="noStrike" kern="1200" dirty="0">
-                <a:solidFill>
-                  <a:schemeClr val="tx1"/>
-                </a:solidFill>
-                <a:effectLst/>
-                <a:latin typeface="+mn-lt"/>
-                <a:ea typeface="+mn-ea"/>
-                <a:cs typeface="+mn-cs"/>
-              </a:rPr>
-              <a:t>p</a:t>
-            </a:r>
-            <a:r>
-              <a:rPr lang="en-US" sz="1200" b="0" i="0" u="none" strike="noStrike" kern="1200" dirty="0">
-                <a:solidFill>
-                  <a:schemeClr val="tx1"/>
-                </a:solidFill>
-                <a:effectLst/>
-                <a:latin typeface="+mn-lt"/>
-                <a:ea typeface="+mn-ea"/>
-                <a:cs typeface="+mn-cs"/>
-              </a:rPr>
-              <a:t> and the </a:t>
-            </a:r>
-            <a:r>
-              <a:rPr lang="en-US" sz="1200" b="0" i="0" u="none" strike="noStrike" kern="1200" dirty="0">
-                <a:solidFill>
-                  <a:schemeClr val="tx1"/>
-                </a:solidFill>
-                <a:effectLst/>
-                <a:latin typeface="+mn-lt"/>
-                <a:ea typeface="+mn-ea"/>
-                <a:cs typeface="+mn-cs"/>
-                <a:hlinkClick r:id="rId4" tooltip="Recall (information retrieval)"/>
-              </a:rPr>
-              <a:t>recall</a:t>
-            </a:r>
-            <a:r>
-              <a:rPr lang="en-US" sz="1200" b="0" i="0" u="none" strike="noStrike" kern="1200" dirty="0">
-                <a:solidFill>
-                  <a:schemeClr val="tx1"/>
-                </a:solidFill>
-                <a:effectLst/>
-                <a:latin typeface="+mn-lt"/>
-                <a:ea typeface="+mn-ea"/>
-                <a:cs typeface="+mn-cs"/>
-              </a:rPr>
-              <a:t> </a:t>
-            </a:r>
-            <a:r>
-              <a:rPr lang="en-US" sz="1200" b="0" i="1" u="none" strike="noStrike" kern="1200" dirty="0">
-                <a:solidFill>
-                  <a:schemeClr val="tx1"/>
-                </a:solidFill>
-                <a:effectLst/>
-                <a:latin typeface="+mn-lt"/>
-                <a:ea typeface="+mn-ea"/>
-                <a:cs typeface="+mn-cs"/>
-              </a:rPr>
-              <a:t>r</a:t>
-            </a:r>
-            <a:r>
-              <a:rPr lang="en-US" sz="1200" b="0" i="0" u="none" strike="noStrike" kern="1200" dirty="0">
-                <a:solidFill>
-                  <a:schemeClr val="tx1"/>
-                </a:solidFill>
-                <a:effectLst/>
-                <a:latin typeface="+mn-lt"/>
-                <a:ea typeface="+mn-ea"/>
-                <a:cs typeface="+mn-cs"/>
-              </a:rPr>
-              <a:t> of the test to compute the score: </a:t>
-            </a:r>
-            <a:r>
-              <a:rPr lang="en-US" sz="1200" b="0" i="1" u="none" strike="noStrike" kern="1200" dirty="0">
-                <a:solidFill>
-                  <a:schemeClr val="tx1"/>
-                </a:solidFill>
-                <a:effectLst/>
-                <a:latin typeface="+mn-lt"/>
-                <a:ea typeface="+mn-ea"/>
-                <a:cs typeface="+mn-cs"/>
-              </a:rPr>
-              <a:t>p</a:t>
-            </a:r>
-            <a:r>
-              <a:rPr lang="en-US" sz="1200" b="0" i="0" u="none" strike="noStrike" kern="1200" dirty="0">
-                <a:solidFill>
-                  <a:schemeClr val="tx1"/>
-                </a:solidFill>
-                <a:effectLst/>
-                <a:latin typeface="+mn-lt"/>
-                <a:ea typeface="+mn-ea"/>
-                <a:cs typeface="+mn-cs"/>
-              </a:rPr>
-              <a:t> is the number of correct positive results divided by the number of all positive results returned by the classifier, and </a:t>
-            </a:r>
-            <a:r>
-              <a:rPr lang="en-US" sz="1200" b="0" i="1" u="none" strike="noStrike" kern="1200" dirty="0">
-                <a:solidFill>
-                  <a:schemeClr val="tx1"/>
-                </a:solidFill>
-                <a:effectLst/>
-                <a:latin typeface="+mn-lt"/>
-                <a:ea typeface="+mn-ea"/>
-                <a:cs typeface="+mn-cs"/>
-              </a:rPr>
-              <a:t>r</a:t>
-            </a:r>
-            <a:r>
-              <a:rPr lang="en-US" sz="1200" b="0" i="0" u="none" strike="noStrike" kern="1200" dirty="0">
-                <a:solidFill>
-                  <a:schemeClr val="tx1"/>
-                </a:solidFill>
-                <a:effectLst/>
-                <a:latin typeface="+mn-lt"/>
-                <a:ea typeface="+mn-ea"/>
-                <a:cs typeface="+mn-cs"/>
-              </a:rPr>
-              <a:t> is the number of correct positive results divided by the number of all relevant samples (all samples that should have been identified as positive). </a:t>
+              <a:rPr lang="en-US" altLang="zh-CN" dirty="0"/>
+              <a:t>conditional</a:t>
+            </a:r>
+            <a:r>
+              <a:rPr lang="zh-CN" altLang="en-US" dirty="0"/>
+              <a:t> </a:t>
+            </a:r>
+            <a:r>
+              <a:rPr lang="en-US" altLang="zh-CN" dirty="0"/>
+              <a:t>random</a:t>
+            </a:r>
+            <a:r>
+              <a:rPr lang="zh-CN" altLang="en-US" dirty="0"/>
+              <a:t> </a:t>
+            </a:r>
+            <a:r>
+              <a:rPr lang="en-US" altLang="zh-CN" dirty="0"/>
+              <a:t>fields</a:t>
             </a:r>
             <a:endParaRPr lang="en-US" dirty="0"/>
           </a:p>
@@ -1372,7 +1197,7 @@
           <a:p>
             <a:fld id="{012EEFCE-4386-A640-92BF-6243EE9C2A7C}" type="slidenum">
               <a:rPr lang="en-US" smtClean="0"/>
-              <a:t>7</a:t>
+              <a:t>5</a:t>
             </a:fld>
             <a:endParaRPr lang="en-US"/>
           </a:p>
@@ -1381,7 +1206,7 @@
     </p:spTree>
     <p:extLst>
       <p:ext uri="{BB962C8B-B14F-4D97-AF65-F5344CB8AC3E}">
-        <p14:creationId xmlns:p14="http://schemas.microsoft.com/office/powerpoint/2010/main" val="3819804195"/>
+        <p14:creationId xmlns:p14="http://schemas.microsoft.com/office/powerpoint/2010/main" val="3103588138"/>
       </p:ext>
     </p:extLst>
   </p:cSld>
@@ -1435,6 +1260,344 @@
           <a:bodyPr/>
           <a:lstStyle/>
           <a:p>
+            <a:r>
+              <a:rPr lang="en-US" sz="1200" b="0" i="0" u="none" strike="noStrike" kern="1200" dirty="0">
+                <a:solidFill>
+                  <a:schemeClr val="tx1"/>
+                </a:solidFill>
+                <a:effectLst/>
+                <a:latin typeface="+mn-lt"/>
+                <a:ea typeface="+mn-ea"/>
+                <a:cs typeface="+mn-cs"/>
+              </a:rPr>
+              <a:t> </a:t>
+            </a:r>
+            <a:r>
+              <a:rPr lang="en-US" sz="1200" b="1" i="0" u="none" strike="noStrike" kern="1200" dirty="0">
+                <a:solidFill>
+                  <a:schemeClr val="tx1"/>
+                </a:solidFill>
+                <a:effectLst/>
+                <a:latin typeface="+mn-lt"/>
+                <a:ea typeface="+mn-ea"/>
+                <a:cs typeface="+mn-cs"/>
+              </a:rPr>
+              <a:t>F</a:t>
+            </a:r>
+            <a:r>
+              <a:rPr lang="en-US" sz="1200" b="1" i="0" u="none" strike="noStrike" kern="1200" baseline="-25000" dirty="0">
+                <a:solidFill>
+                  <a:schemeClr val="tx1"/>
+                </a:solidFill>
+                <a:effectLst/>
+                <a:latin typeface="+mn-lt"/>
+                <a:ea typeface="+mn-ea"/>
+                <a:cs typeface="+mn-cs"/>
+              </a:rPr>
+              <a:t>1</a:t>
+            </a:r>
+            <a:r>
+              <a:rPr lang="en-US" sz="1200" b="1" i="0" u="none" strike="noStrike" kern="1200" dirty="0">
+                <a:solidFill>
+                  <a:schemeClr val="tx1"/>
+                </a:solidFill>
+                <a:effectLst/>
+                <a:latin typeface="+mn-lt"/>
+                <a:ea typeface="+mn-ea"/>
+                <a:cs typeface="+mn-cs"/>
+              </a:rPr>
+              <a:t> score</a:t>
+            </a:r>
+            <a:r>
+              <a:rPr lang="en-US" sz="1200" b="0" i="0" u="none" strike="noStrike" kern="1200" dirty="0">
+                <a:solidFill>
+                  <a:schemeClr val="tx1"/>
+                </a:solidFill>
+                <a:effectLst/>
+                <a:latin typeface="+mn-lt"/>
+                <a:ea typeface="+mn-ea"/>
+                <a:cs typeface="+mn-cs"/>
+              </a:rPr>
+              <a:t> (also </a:t>
+            </a:r>
+            <a:r>
+              <a:rPr lang="en-US" sz="1200" b="1" i="0" u="none" strike="noStrike" kern="1200" dirty="0">
+                <a:solidFill>
+                  <a:schemeClr val="tx1"/>
+                </a:solidFill>
+                <a:effectLst/>
+                <a:latin typeface="+mn-lt"/>
+                <a:ea typeface="+mn-ea"/>
+                <a:cs typeface="+mn-cs"/>
+              </a:rPr>
+              <a:t>F-score</a:t>
+            </a:r>
+            <a:r>
+              <a:rPr lang="en-US" sz="1200" b="0" i="0" u="none" strike="noStrike" kern="1200" dirty="0">
+                <a:solidFill>
+                  <a:schemeClr val="tx1"/>
+                </a:solidFill>
+                <a:effectLst/>
+                <a:latin typeface="+mn-lt"/>
+                <a:ea typeface="+mn-ea"/>
+                <a:cs typeface="+mn-cs"/>
+              </a:rPr>
+              <a:t> or </a:t>
+            </a:r>
+            <a:r>
+              <a:rPr lang="en-US" sz="1200" b="1" i="0" u="none" strike="noStrike" kern="1200" dirty="0">
+                <a:solidFill>
+                  <a:schemeClr val="tx1"/>
+                </a:solidFill>
+                <a:effectLst/>
+                <a:latin typeface="+mn-lt"/>
+                <a:ea typeface="+mn-ea"/>
+                <a:cs typeface="+mn-cs"/>
+              </a:rPr>
+              <a:t>F-measure</a:t>
+            </a:r>
+            <a:r>
+              <a:rPr lang="en-US" sz="1200" b="0" i="0" u="none" strike="noStrike" kern="1200" dirty="0">
+                <a:solidFill>
+                  <a:schemeClr val="tx1"/>
+                </a:solidFill>
+                <a:effectLst/>
+                <a:latin typeface="+mn-lt"/>
+                <a:ea typeface="+mn-ea"/>
+                <a:cs typeface="+mn-cs"/>
+              </a:rPr>
+              <a:t>) is a measure of a test's accuracy. It considers both the </a:t>
+            </a:r>
+            <a:r>
+              <a:rPr lang="en-US" sz="1200" b="0" i="0" u="none" strike="noStrike" kern="1200" dirty="0">
+                <a:solidFill>
+                  <a:schemeClr val="tx1"/>
+                </a:solidFill>
+                <a:effectLst/>
+                <a:latin typeface="+mn-lt"/>
+                <a:ea typeface="+mn-ea"/>
+                <a:cs typeface="+mn-cs"/>
+                <a:hlinkClick r:id="rId3" tooltip="Precision (information retrieval)"/>
+              </a:rPr>
+              <a:t>precision</a:t>
+            </a:r>
+            <a:r>
+              <a:rPr lang="en-US" sz="1200" b="0" i="0" u="none" strike="noStrike" kern="1200" dirty="0">
+                <a:solidFill>
+                  <a:schemeClr val="tx1"/>
+                </a:solidFill>
+                <a:effectLst/>
+                <a:latin typeface="+mn-lt"/>
+                <a:ea typeface="+mn-ea"/>
+                <a:cs typeface="+mn-cs"/>
+              </a:rPr>
+              <a:t> </a:t>
+            </a:r>
+            <a:r>
+              <a:rPr lang="en-US" sz="1200" b="0" i="1" u="none" strike="noStrike" kern="1200" dirty="0">
+                <a:solidFill>
+                  <a:schemeClr val="tx1"/>
+                </a:solidFill>
+                <a:effectLst/>
+                <a:latin typeface="+mn-lt"/>
+                <a:ea typeface="+mn-ea"/>
+                <a:cs typeface="+mn-cs"/>
+              </a:rPr>
+              <a:t>p</a:t>
+            </a:r>
+            <a:r>
+              <a:rPr lang="en-US" sz="1200" b="0" i="0" u="none" strike="noStrike" kern="1200" dirty="0">
+                <a:solidFill>
+                  <a:schemeClr val="tx1"/>
+                </a:solidFill>
+                <a:effectLst/>
+                <a:latin typeface="+mn-lt"/>
+                <a:ea typeface="+mn-ea"/>
+                <a:cs typeface="+mn-cs"/>
+              </a:rPr>
+              <a:t> and the </a:t>
+            </a:r>
+            <a:r>
+              <a:rPr lang="en-US" sz="1200" b="0" i="0" u="none" strike="noStrike" kern="1200" dirty="0">
+                <a:solidFill>
+                  <a:schemeClr val="tx1"/>
+                </a:solidFill>
+                <a:effectLst/>
+                <a:latin typeface="+mn-lt"/>
+                <a:ea typeface="+mn-ea"/>
+                <a:cs typeface="+mn-cs"/>
+                <a:hlinkClick r:id="rId4" tooltip="Recall (information retrieval)"/>
+              </a:rPr>
+              <a:t>recall</a:t>
+            </a:r>
+            <a:r>
+              <a:rPr lang="en-US" sz="1200" b="0" i="0" u="none" strike="noStrike" kern="1200" dirty="0">
+                <a:solidFill>
+                  <a:schemeClr val="tx1"/>
+                </a:solidFill>
+                <a:effectLst/>
+                <a:latin typeface="+mn-lt"/>
+                <a:ea typeface="+mn-ea"/>
+                <a:cs typeface="+mn-cs"/>
+              </a:rPr>
+              <a:t> </a:t>
+            </a:r>
+            <a:r>
+              <a:rPr lang="en-US" sz="1200" b="0" i="1" u="none" strike="noStrike" kern="1200" dirty="0">
+                <a:solidFill>
+                  <a:schemeClr val="tx1"/>
+                </a:solidFill>
+                <a:effectLst/>
+                <a:latin typeface="+mn-lt"/>
+                <a:ea typeface="+mn-ea"/>
+                <a:cs typeface="+mn-cs"/>
+              </a:rPr>
+              <a:t>r</a:t>
+            </a:r>
+            <a:r>
+              <a:rPr lang="en-US" sz="1200" b="0" i="0" u="none" strike="noStrike" kern="1200" dirty="0">
+                <a:solidFill>
+                  <a:schemeClr val="tx1"/>
+                </a:solidFill>
+                <a:effectLst/>
+                <a:latin typeface="+mn-lt"/>
+                <a:ea typeface="+mn-ea"/>
+                <a:cs typeface="+mn-cs"/>
+              </a:rPr>
+              <a:t> of the test to compute the score: </a:t>
+            </a:r>
+            <a:r>
+              <a:rPr lang="en-US" sz="1200" b="0" i="1" u="none" strike="noStrike" kern="1200" dirty="0">
+                <a:solidFill>
+                  <a:schemeClr val="tx1"/>
+                </a:solidFill>
+                <a:effectLst/>
+                <a:latin typeface="+mn-lt"/>
+                <a:ea typeface="+mn-ea"/>
+                <a:cs typeface="+mn-cs"/>
+              </a:rPr>
+              <a:t>p</a:t>
+            </a:r>
+            <a:r>
+              <a:rPr lang="en-US" sz="1200" b="0" i="0" u="none" strike="noStrike" kern="1200" dirty="0">
+                <a:solidFill>
+                  <a:schemeClr val="tx1"/>
+                </a:solidFill>
+                <a:effectLst/>
+                <a:latin typeface="+mn-lt"/>
+                <a:ea typeface="+mn-ea"/>
+                <a:cs typeface="+mn-cs"/>
+              </a:rPr>
+              <a:t> is the number of correct positive results divided by the number of all positive results returned by the classifier, and </a:t>
+            </a:r>
+            <a:r>
+              <a:rPr lang="en-US" sz="1200" b="0" i="1" u="none" strike="noStrike" kern="1200" dirty="0">
+                <a:solidFill>
+                  <a:schemeClr val="tx1"/>
+                </a:solidFill>
+                <a:effectLst/>
+                <a:latin typeface="+mn-lt"/>
+                <a:ea typeface="+mn-ea"/>
+                <a:cs typeface="+mn-cs"/>
+              </a:rPr>
+              <a:t>r</a:t>
+            </a:r>
+            <a:r>
+              <a:rPr lang="en-US" sz="1200" b="0" i="0" u="none" strike="noStrike" kern="1200" dirty="0">
+                <a:solidFill>
+                  <a:schemeClr val="tx1"/>
+                </a:solidFill>
+                <a:effectLst/>
+                <a:latin typeface="+mn-lt"/>
+                <a:ea typeface="+mn-ea"/>
+                <a:cs typeface="+mn-cs"/>
+              </a:rPr>
+              <a:t> is the number of correct positive results divided by the number of all relevant samples (all samples that should have been identified as positive). </a:t>
+            </a:r>
+            <a:endParaRPr lang="en-US" dirty="0"/>
+          </a:p>
+        </p:txBody>
+      </p:sp>
+      <p:sp>
+        <p:nvSpPr>
+          <p:cNvPr id="4" name="Slide Number Placeholder 3"/>
+          <p:cNvSpPr>
+            <a:spLocks noGrp="1"/>
+          </p:cNvSpPr>
+          <p:nvPr>
+            <p:ph type="sldNum" sz="quarter" idx="5"/>
+          </p:nvPr>
+        </p:nvSpPr>
+        <p:spPr/>
+        <p:txBody>
+          <a:bodyPr/>
+          <a:lstStyle/>
+          <a:p>
+            <a:fld id="{012EEFCE-4386-A640-92BF-6243EE9C2A7C}" type="slidenum">
+              <a:rPr lang="en-US" smtClean="0"/>
+              <a:t>7</a:t>
+            </a:fld>
+            <a:endParaRPr lang="en-US"/>
+          </a:p>
+        </p:txBody>
+      </p:sp>
+    </p:spTree>
+    <p:extLst>
+      <p:ext uri="{BB962C8B-B14F-4D97-AF65-F5344CB8AC3E}">
+        <p14:creationId xmlns:p14="http://schemas.microsoft.com/office/powerpoint/2010/main" val="3819804195"/>
+      </p:ext>
+    </p:extLst>
+  </p:cSld>
+  <p:clrMapOvr>
+    <a:masterClrMapping/>
+  </p:clrMapOvr>
+</p:notes>
+</file>
+
+<file path=ppt/notesSlides/notesSlide6.xml><?xml version="1.0" encoding="utf-8"?>
+<p:notes xmlns:a="http://schemas.openxmlformats.org/drawingml/2006/main" xmlns:r="http://schemas.openxmlformats.org/officeDocument/2006/relationships" xmlns:p="http://schemas.openxmlformats.org/presentationml/2006/main">
+  <p:cSld>
+    <p:spTree>
+      <p:nvGrpSpPr>
+        <p:cNvPr id="1" name=""/>
+        <p:cNvGrpSpPr/>
+        <p:nvPr/>
+      </p:nvGrpSpPr>
+      <p:grpSpPr>
+        <a:xfrm>
+          <a:off x="0" y="0"/>
+          <a:ext cx="0" cy="0"/>
+          <a:chOff x="0" y="0"/>
+          <a:chExt cx="0" cy="0"/>
+        </a:xfrm>
+      </p:grpSpPr>
+      <p:sp>
+        <p:nvSpPr>
+          <p:cNvPr id="2" name="Slide Image Placeholder 1"/>
+          <p:cNvSpPr>
+            <a:spLocks noGrp="1" noRot="1" noChangeAspect="1"/>
+          </p:cNvSpPr>
+          <p:nvPr>
+            <p:ph type="sldImg"/>
+          </p:nvPr>
+        </p:nvSpPr>
+        <p:spPr/>
+      </p:sp>
+      <p:sp>
+        <p:nvSpPr>
+          <p:cNvPr id="3" name="Notes Placeholder 2"/>
+          <p:cNvSpPr>
+            <a:spLocks noGrp="1"/>
+          </p:cNvSpPr>
+          <p:nvPr>
+            <p:ph type="body" idx="1"/>
+          </p:nvPr>
+        </p:nvSpPr>
+        <p:spPr/>
+        <p:txBody>
+          <a:bodyPr/>
+          <a:lstStyle/>
+          <a:p>
             <a:pPr marL="0" marR="0" lvl="0" indent="0" algn="l" defTabSz="914400" rtl="0" eaLnBrk="1" fontAlgn="auto" latinLnBrk="0" hangingPunct="1">
               <a:lnSpc>
                 <a:spcPct val="100000"/>
@@ -1628,31 +1791,7 @@
                 <a:ea typeface="+mn-ea"/>
                 <a:cs typeface="+mn-cs"/>
               </a:rPr>
-              <a:t>allow only one chance to request labels for the target data, and, having no held-out data, do not allow policy up- dates. The agent needs to select a batch of </a:t>
-            </a:r>
-            <a:r>
-              <a:rPr lang="en-US" sz="1200" kern="1200" dirty="0" err="1">
-                <a:solidFill>
-                  <a:schemeClr val="tx1"/>
-                </a:solidFill>
-                <a:effectLst/>
-                <a:latin typeface="+mn-lt"/>
-                <a:ea typeface="+mn-ea"/>
-                <a:cs typeface="+mn-cs"/>
-              </a:rPr>
-              <a:t>unlabelled</a:t>
-            </a:r>
-            <a:r>
-              <a:rPr lang="en-US" sz="1200" kern="1200" dirty="0">
-                <a:solidFill>
-                  <a:schemeClr val="tx1"/>
-                </a:solidFill>
-                <a:effectLst/>
-                <a:latin typeface="+mn-lt"/>
-                <a:ea typeface="+mn-ea"/>
-                <a:cs typeface="+mn-cs"/>
-              </a:rPr>
-              <a:t> target instances for annotations, but cannot use these resulting annotations or any other feed- back to refine the selection </a:t>
+              <a:t>allow only one chance to request labels for the target data, and, having no held-out data, do not allow policy up- dates. The agent needs to select a batch of unlabeled target instances for annotations, but cannot use these resulting annotations or any other feed- back to refine the selection </a:t>
             </a:r>
             <a:endParaRPr lang="en-US" dirty="0"/>
           </a:p>
@@ -1771,7 +1910,7 @@
 </p:notes>
 </file>
 
-<file path=ppt/notesSlides/notesSlide6.xml><?xml version="1.0" encoding="utf-8"?>
+<file path=ppt/notesSlides/notesSlide7.xml><?xml version="1.0" encoding="utf-8"?>
 <p:notes xmlns:a="http://schemas.openxmlformats.org/drawingml/2006/main" xmlns:r="http://schemas.openxmlformats.org/officeDocument/2006/relationships" xmlns:p="http://schemas.openxmlformats.org/presentationml/2006/main">
   <p:cSld>
     <p:spTree>
@@ -11777,7 +11916,7 @@
           <p:nvPr/>
         </p:nvPicPr>
         <p:blipFill>
-          <a:blip r:embed="rId2"/>
+          <a:blip r:embed="rId3"/>
           <a:stretch>
             <a:fillRect/>
           </a:stretch>
@@ -11807,7 +11946,7 @@
           <p:nvPr/>
         </p:nvPicPr>
         <p:blipFill rotWithShape="1">
-          <a:blip r:embed="rId3"/>
+          <a:blip r:embed="rId4"/>
           <a:srcRect t="9661"/>
           <a:stretch/>
         </p:blipFill>
